--- a/Cream_Introduction.pptx
+++ b/Cream_Introduction.pptx
@@ -3956,7 +3956,7 @@
           <a:p>
             <a:r>
               <a:rPr lang="en-US" sz="2400" dirty="0" smtClean="0"/>
-              <a:t>The inheriting model needs two columns “</a:t>
+              <a:t>The base model(s) needs two columns “</a:t>
             </a:r>
             <a:r>
               <a:rPr lang="en-US" sz="2400" dirty="0" err="1" smtClean="0"/>
